--- a/Who Watches the Watchmen.pptx
+++ b/Who Watches the Watchmen.pptx
@@ -5,7 +5,7 @@
     <p:sldMasterId id="2147483648" r:id="rId1"/>
   </p:sldMasterIdLst>
   <p:notesMasterIdLst>
-    <p:notesMasterId r:id="rId23"/>
+    <p:notesMasterId r:id="rId24"/>
   </p:notesMasterIdLst>
   <p:sldIdLst>
     <p:sldId id="256" r:id="rId2"/>
@@ -28,7 +28,8 @@
     <p:sldId id="278" r:id="rId19"/>
     <p:sldId id="279" r:id="rId20"/>
     <p:sldId id="281" r:id="rId21"/>
-    <p:sldId id="280" r:id="rId22"/>
+    <p:sldId id="284" r:id="rId22"/>
+    <p:sldId id="280" r:id="rId23"/>
   </p:sldIdLst>
   <p:sldSz cx="12192000" cy="6858000"/>
   <p:notesSz cx="6858000" cy="9144000"/>
@@ -434,7 +435,7 @@
           <a:p>
             <a:fld id="{CEC7C4CE-0BA7-46C7-910C-86236A29B096}" type="datetimeFigureOut">
               <a:rPr lang="en-US" smtClean="0"/>
-              <a:t>11/4/2020</a:t>
+              <a:t>11/6/2020</a:t>
             </a:fld>
             <a:endParaRPr lang="en-US"/>
           </a:p>
@@ -938,7 +939,7 @@
             </a:pPr>
             <a:r>
               <a:rPr lang="en-US" dirty="0"/>
-              <a:t>Mutation testing has been around for a while but not many have heard about it mainly because it has always been very expensive to run.  For each mutation you have to rerun your entire test suite.  Two things have made mutation testing more realistic as a tool.  1.) Hardware speed and number of cores.  If you saw when I was running Stryker 8 instance of chrome opened to simultaneously run tests, one for each core.  2.) A new strategy for mutation testing where you run coverage first to see which tests hit a certain line of code and then only run those tests for that mutation, not every test.</a:t>
+              <a:t>Mutation testing has been around for a while but not many people have heard about it mainly because it has always been very expensive to run.  For each mutation you have to rerun your entire test suite.  Two things have made mutation testing more realistic as a tool.  1.) Hardware speed and number of cores.  If you saw when I was running Stryker, 4 instance of chrome opened to simultaneously run tests, one for each core.  2.) A new strategy for mutation testing where you run coverage first to see which tests hit a certain line of code and then only run those tests for that mutation, not every test.</a:t>
             </a:r>
           </a:p>
         </p:txBody>
@@ -1025,15 +1026,7 @@
           <a:p>
             <a:r>
               <a:rPr lang="en-US" dirty="0"/>
-              <a:t>I would not recommend having mutation testing be part a part of your deployment pipeline.  Instead I like to run in periodically (maybe bi-weekly) to poke around </a:t>
-            </a:r>
-            <a:r>
-              <a:rPr lang="en-US" dirty="0" err="1"/>
-              <a:t>potentical</a:t>
-            </a:r>
-            <a:r>
-              <a:rPr lang="en-US" dirty="0"/>
-              <a:t> vulnerabilities, especially in the most critical parts of my application.  I also find it useful when I am inheriting tested legacy code, I would like to know the quality of the tests that I am getting with the code.</a:t>
+              <a:t>I would not recommend having mutation testing be part a part of your deployment pipeline.  Instead I like to run it periodically (maybe bi-weekly) to poke around potential vulnerabilities, especially in the most critical parts of my application.  I also find it useful when I am inheriting tested legacy code, I would like to know the quality of the tests that I am getting with the code.</a:t>
             </a:r>
           </a:p>
         </p:txBody>
@@ -1207,7 +1200,7 @@
           <a:p>
             <a:r>
               <a:rPr lang="en-US" dirty="0"/>
-              <a:t>How often does your company deploy your code to your customers?  Raise your hand if it is more often than every month.  How about every week?  Every day? Every commit? Which is essentially Continuous Deployment.</a:t>
+              <a:t>How often does your company deploy your code to your customers? Every month? How about every week?  Every day? Every commit? Which is essentially Continuous Deployment.</a:t>
             </a:r>
           </a:p>
         </p:txBody>
@@ -2894,7 +2887,7 @@
           <a:p>
             <a:fld id="{24452B38-B5B8-4C56-ADC3-B86414DDCBC8}" type="datetimeFigureOut">
               <a:rPr lang="en-US" smtClean="0"/>
-              <a:t>11/4/2020</a:t>
+              <a:t>11/6/2020</a:t>
             </a:fld>
             <a:endParaRPr lang="en-US"/>
           </a:p>
@@ -2989,7 +2982,7 @@
           <a:p>
             <a:fld id="{24452B38-B5B8-4C56-ADC3-B86414DDCBC8}" type="datetimeFigureOut">
               <a:rPr lang="en-US" smtClean="0"/>
-              <a:t>11/4/2020</a:t>
+              <a:t>11/6/2020</a:t>
             </a:fld>
             <a:endParaRPr lang="en-US"/>
           </a:p>
@@ -3098,7 +3091,7 @@
           </a:ln>
           <a:extLst>
             <a:ext uri="{C572A759-6A51-4108-AA02-DFA0A04FC94B}">
-              <ma14:wrappingTextBoxFlag xmlns="" xmlns:ma14="http://schemas.microsoft.com/office/mac/drawingml/2011/main" val="1"/>
+              <ma14:wrappingTextBoxFlag xmlns:ma14="http://schemas.microsoft.com/office/mac/drawingml/2011/main" xmlns="" val="1"/>
             </a:ext>
           </a:extLst>
         </p:spPr>
@@ -3137,7 +3130,7 @@
           </a:ln>
           <a:extLst>
             <a:ext uri="{C572A759-6A51-4108-AA02-DFA0A04FC94B}">
-              <ma14:wrappingTextBoxFlag xmlns="" xmlns:ma14="http://schemas.microsoft.com/office/mac/drawingml/2011/main" val="1"/>
+              <ma14:wrappingTextBoxFlag xmlns:ma14="http://schemas.microsoft.com/office/mac/drawingml/2011/main" xmlns="" val="1"/>
             </a:ext>
           </a:extLst>
         </p:spPr>
@@ -6006,6 +5999,65 @@
       </p:grpSpPr>
       <p:sp>
         <p:nvSpPr>
+          <p:cNvPr id="4" name="Title 3">
+            <a:extLst>
+              <a:ext uri="{FF2B5EF4-FFF2-40B4-BE49-F238E27FC236}">
+                <a16:creationId xmlns:a16="http://schemas.microsoft.com/office/drawing/2014/main" id="{7DAEF9F1-48F0-4BFE-A0CD-8C6550AA43C3}"/>
+              </a:ext>
+            </a:extLst>
+          </p:cNvPr>
+          <p:cNvSpPr>
+            <a:spLocks noGrp="1"/>
+          </p:cNvSpPr>
+          <p:nvPr>
+            <p:ph type="title"/>
+          </p:nvPr>
+        </p:nvSpPr>
+        <p:spPr/>
+        <p:txBody>
+          <a:bodyPr/>
+          <a:lstStyle/>
+          <a:p>
+            <a:r>
+              <a:rPr lang="en-US" dirty="0"/>
+              <a:t>Angular Example</a:t>
+            </a:r>
+          </a:p>
+        </p:txBody>
+      </p:sp>
+    </p:spTree>
+    <p:extLst>
+      <p:ext uri="{BB962C8B-B14F-4D97-AF65-F5344CB8AC3E}">
+        <p14:creationId xmlns:p14="http://schemas.microsoft.com/office/powerpoint/2010/main" val="1246669208"/>
+      </p:ext>
+    </p:extLst>
+  </p:cSld>
+  <p:clrMapOvr>
+    <a:masterClrMapping/>
+  </p:clrMapOvr>
+  <p:transition spd="med"/>
+</p:sld>
+</file>
+
+<file path=ppt/slides/slide22.xml><?xml version="1.0" encoding="utf-8"?>
+<p:sld xmlns:a="http://schemas.openxmlformats.org/drawingml/2006/main" xmlns:r="http://schemas.openxmlformats.org/officeDocument/2006/relationships" xmlns:p="http://schemas.openxmlformats.org/presentationml/2006/main">
+  <p:cSld>
+    <p:spTree>
+      <p:nvGrpSpPr>
+        <p:cNvPr id="1" name=""/>
+        <p:cNvGrpSpPr/>
+        <p:nvPr/>
+      </p:nvGrpSpPr>
+      <p:grpSpPr>
+        <a:xfrm>
+          <a:off x="0" y="0"/>
+          <a:ext cx="0" cy="0"/>
+          <a:chOff x="0" y="0"/>
+          <a:chExt cx="0" cy="0"/>
+        </a:xfrm>
+      </p:grpSpPr>
+      <p:sp>
+        <p:nvSpPr>
           <p:cNvPr id="5" name="Title 1">
             <a:extLst>
               <a:ext uri="{FF2B5EF4-FFF2-40B4-BE49-F238E27FC236}">
@@ -6331,7 +6383,7 @@
                   <a:schemeClr val="bg1"/>
                 </a:solidFill>
               </a:rPr>
-              <a:t>Software Craftsman at Emmersion</a:t>
+              <a:t>Software Engineer at Emmersion</a:t>
             </a:r>
           </a:p>
           <a:p>
